--- a/Apartment Comparison Tool.pptx
+++ b/Apartment Comparison Tool.pptx
@@ -8,9 +8,11 @@
     <p:sldId id="256" r:id="rId2"/>
     <p:sldId id="257" r:id="rId3"/>
     <p:sldId id="258" r:id="rId4"/>
-    <p:sldId id="259" r:id="rId5"/>
-    <p:sldId id="260" r:id="rId6"/>
-    <p:sldId id="261" r:id="rId7"/>
+    <p:sldId id="262" r:id="rId5"/>
+    <p:sldId id="259" r:id="rId6"/>
+    <p:sldId id="260" r:id="rId7"/>
+    <p:sldId id="261" r:id="rId8"/>
+    <p:sldId id="263" r:id="rId9"/>
   </p:sldIdLst>
   <p:sldSz cx="12192000" cy="6858000"/>
   <p:notesSz cx="6858000" cy="9144000"/>
@@ -109,7 +111,95 @@
       </a:defRPr>
     </a:lvl9pPr>
   </p:defaultTextStyle>
+  <p:extLst>
+    <p:ext uri="{EFAFB233-063F-42B5-8137-9DF3F51BA10A}">
+      <p15:sldGuideLst xmlns:p15="http://schemas.microsoft.com/office/powerpoint/2012/main"/>
+    </p:ext>
+  </p:extLst>
 </p:presentation>
+</file>
+
+<file path=ppt/changesInfos/changesInfo1.xml><?xml version="1.0" encoding="utf-8"?>
+<pc:chgInfo xmlns:a="http://schemas.openxmlformats.org/drawingml/2006/main" xmlns:r="http://schemas.openxmlformats.org/officeDocument/2006/relationships" xmlns:ac="http://schemas.microsoft.com/office/drawing/2013/main/command" xmlns:pc="http://schemas.microsoft.com/office/powerpoint/2013/main/command">
+  <pc:docChgLst>
+    <pc:chgData name="Hayden Williford" userId="93ffd2e62573b7bb" providerId="LiveId" clId="{47B02DAF-E3CA-462D-B5C6-A5FB4A2C2E34}"/>
+    <pc:docChg chg="addSld modSld">
+      <pc:chgData name="Hayden Williford" userId="93ffd2e62573b7bb" providerId="LiveId" clId="{47B02DAF-E3CA-462D-B5C6-A5FB4A2C2E34}" dt="2025-05-05T21:35:18.362" v="32" actId="20577"/>
+      <pc:docMkLst>
+        <pc:docMk/>
+      </pc:docMkLst>
+      <pc:sldChg chg="modSp new mod">
+        <pc:chgData name="Hayden Williford" userId="93ffd2e62573b7bb" providerId="LiveId" clId="{47B02DAF-E3CA-462D-B5C6-A5FB4A2C2E34}" dt="2025-05-05T21:34:01.278" v="21" actId="20577"/>
+        <pc:sldMkLst>
+          <pc:docMk/>
+          <pc:sldMk cId="232096000" sldId="262"/>
+        </pc:sldMkLst>
+        <pc:spChg chg="mod">
+          <ac:chgData name="Hayden Williford" userId="93ffd2e62573b7bb" providerId="LiveId" clId="{47B02DAF-E3CA-462D-B5C6-A5FB4A2C2E34}" dt="2025-05-05T21:34:01.278" v="21" actId="20577"/>
+          <ac:spMkLst>
+            <pc:docMk/>
+            <pc:sldMk cId="232096000" sldId="262"/>
+            <ac:spMk id="2" creationId="{F88E1D0F-2940-F5EC-AC76-FFD52A5BD451}"/>
+          </ac:spMkLst>
+        </pc:spChg>
+      </pc:sldChg>
+      <pc:sldChg chg="modSp new mod">
+        <pc:chgData name="Hayden Williford" userId="93ffd2e62573b7bb" providerId="LiveId" clId="{47B02DAF-E3CA-462D-B5C6-A5FB4A2C2E34}" dt="2025-05-05T21:35:18.362" v="32" actId="20577"/>
+        <pc:sldMkLst>
+          <pc:docMk/>
+          <pc:sldMk cId="87293160" sldId="263"/>
+        </pc:sldMkLst>
+        <pc:spChg chg="mod">
+          <ac:chgData name="Hayden Williford" userId="93ffd2e62573b7bb" providerId="LiveId" clId="{47B02DAF-E3CA-462D-B5C6-A5FB4A2C2E34}" dt="2025-05-05T21:35:18.362" v="32" actId="20577"/>
+          <ac:spMkLst>
+            <pc:docMk/>
+            <pc:sldMk cId="87293160" sldId="263"/>
+            <ac:spMk id="2" creationId="{CC7D132D-EE64-2988-F5C7-163F19167785}"/>
+          </ac:spMkLst>
+        </pc:spChg>
+      </pc:sldChg>
+    </pc:docChg>
+  </pc:docChgLst>
+  <pc:docChgLst>
+    <pc:chgData name="Hayden Williford" userId="93ffd2e62573b7bb" providerId="LiveId" clId="{FD871DE3-BB4B-47A2-B51A-B762CC25EEB1}"/>
+    <pc:docChg chg="custSel modSld">
+      <pc:chgData name="Hayden Williford" userId="93ffd2e62573b7bb" providerId="LiveId" clId="{FD871DE3-BB4B-47A2-B51A-B762CC25EEB1}" dt="2025-05-06T15:51:36.523" v="700" actId="20577"/>
+      <pc:docMkLst>
+        <pc:docMk/>
+      </pc:docMkLst>
+      <pc:sldChg chg="modSp mod">
+        <pc:chgData name="Hayden Williford" userId="93ffd2e62573b7bb" providerId="LiveId" clId="{FD871DE3-BB4B-47A2-B51A-B762CC25EEB1}" dt="2025-05-06T15:43:33.629" v="259" actId="20577"/>
+        <pc:sldMkLst>
+          <pc:docMk/>
+          <pc:sldMk cId="232096000" sldId="262"/>
+        </pc:sldMkLst>
+        <pc:spChg chg="mod">
+          <ac:chgData name="Hayden Williford" userId="93ffd2e62573b7bb" providerId="LiveId" clId="{FD871DE3-BB4B-47A2-B51A-B762CC25EEB1}" dt="2025-05-06T15:43:33.629" v="259" actId="20577"/>
+          <ac:spMkLst>
+            <pc:docMk/>
+            <pc:sldMk cId="232096000" sldId="262"/>
+            <ac:spMk id="3" creationId="{F73F0D35-B313-D3E6-0C2C-22E2C0417150}"/>
+          </ac:spMkLst>
+        </pc:spChg>
+      </pc:sldChg>
+      <pc:sldChg chg="modSp mod">
+        <pc:chgData name="Hayden Williford" userId="93ffd2e62573b7bb" providerId="LiveId" clId="{FD871DE3-BB4B-47A2-B51A-B762CC25EEB1}" dt="2025-05-06T15:51:36.523" v="700" actId="20577"/>
+        <pc:sldMkLst>
+          <pc:docMk/>
+          <pc:sldMk cId="87293160" sldId="263"/>
+        </pc:sldMkLst>
+        <pc:spChg chg="mod">
+          <ac:chgData name="Hayden Williford" userId="93ffd2e62573b7bb" providerId="LiveId" clId="{FD871DE3-BB4B-47A2-B51A-B762CC25EEB1}" dt="2025-05-06T15:51:36.523" v="700" actId="20577"/>
+          <ac:spMkLst>
+            <pc:docMk/>
+            <pc:sldMk cId="87293160" sldId="263"/>
+            <ac:spMk id="3" creationId="{6EEB6852-7E53-C08A-577C-0FFBFB2211CF}"/>
+          </ac:spMkLst>
+        </pc:spChg>
+      </pc:sldChg>
+    </pc:docChg>
+  </pc:docChgLst>
+</pc:chgInfo>
 </file>
 
 <file path=ppt/slideLayouts/slideLayout1.xml><?xml version="1.0" encoding="utf-8"?>
@@ -268,7 +358,7 @@
           <a:p>
             <a:fld id="{6444479B-705B-4489-957E-7E8A228BDFA0}" type="datetime1">
               <a:rPr lang="en-US" smtClean="0"/>
-              <a:t>5/4/2025</a:t>
+              <a:t>5/6/2025</a:t>
             </a:fld>
             <a:endParaRPr lang="en-US"/>
           </a:p>
@@ -468,7 +558,7 @@
           <a:p>
             <a:fld id="{C07B66AD-7C08-490A-ADA4-B47E10FB2407}" type="datetime1">
               <a:rPr lang="en-US" smtClean="0"/>
-              <a:t>5/4/2025</a:t>
+              <a:t>5/6/2025</a:t>
             </a:fld>
             <a:endParaRPr lang="en-US"/>
           </a:p>
@@ -727,7 +817,7 @@
           <a:p>
             <a:fld id="{05B95027-4255-49E7-9841-CD21BCC99996}" type="datetime1">
               <a:rPr lang="en-US" smtClean="0"/>
-              <a:t>5/4/2025</a:t>
+              <a:t>5/6/2025</a:t>
             </a:fld>
             <a:endParaRPr lang="en-US"/>
           </a:p>
@@ -968,7 +1058,7 @@
           <a:p>
             <a:fld id="{9F89F774-3FA6-43B8-9241-99959C8FD463}" type="datetime1">
               <a:rPr lang="en-US" smtClean="0"/>
-              <a:t>5/4/2025</a:t>
+              <a:t>5/6/2025</a:t>
             </a:fld>
             <a:endParaRPr lang="en-US"/>
           </a:p>
@@ -1295,7 +1385,7 @@
           <a:p>
             <a:fld id="{F9504452-5DCC-4FE2-A5C9-8A5EF6714D65}" type="datetime1">
               <a:rPr lang="en-US" smtClean="0"/>
-              <a:t>5/4/2025</a:t>
+              <a:t>5/6/2025</a:t>
             </a:fld>
             <a:endParaRPr lang="en-US"/>
           </a:p>
@@ -1605,7 +1695,7 @@
           <a:p>
             <a:fld id="{E579ABC2-0180-4F3A-A895-A85BC724D472}" type="datetime1">
               <a:rPr lang="en-US" smtClean="0"/>
-              <a:t>5/4/2025</a:t>
+              <a:t>5/6/2025</a:t>
             </a:fld>
             <a:endParaRPr lang="en-US"/>
           </a:p>
@@ -2023,7 +2113,7 @@
           <a:p>
             <a:fld id="{6AEEA9BA-4E8F-439E-BEA4-91FBA01E3F5F}" type="datetime1">
               <a:rPr lang="en-US" smtClean="0"/>
-              <a:t>5/4/2025</a:t>
+              <a:t>5/6/2025</a:t>
             </a:fld>
             <a:endParaRPr lang="en-US"/>
           </a:p>
@@ -2165,7 +2255,7 @@
           <a:p>
             <a:fld id="{BE15BF18-0007-481C-AA29-413124BC3EE7}" type="datetime1">
               <a:rPr lang="en-US" smtClean="0"/>
-              <a:t>5/4/2025</a:t>
+              <a:t>5/6/2025</a:t>
             </a:fld>
             <a:endParaRPr lang="en-US"/>
           </a:p>
@@ -2327,7 +2417,7 @@
           <a:p>
             <a:fld id="{09BE9870-3748-43AD-B547-02A075CB4A1D}" type="datetime1">
               <a:rPr lang="en-US" smtClean="0"/>
-              <a:t>5/4/2025</a:t>
+              <a:t>5/6/2025</a:t>
             </a:fld>
             <a:endParaRPr lang="en-US"/>
           </a:p>
@@ -2644,7 +2734,7 @@
           <a:p>
             <a:fld id="{558E7897-33C5-4F1A-9307-D068E37F3DC7}" type="datetime1">
               <a:rPr lang="en-US" smtClean="0"/>
-              <a:t>5/4/2025</a:t>
+              <a:t>5/6/2025</a:t>
             </a:fld>
             <a:endParaRPr lang="en-US"/>
           </a:p>
@@ -2939,7 +3029,7 @@
           <a:p>
             <a:fld id="{82E171BA-CC09-47C8-A6DF-F5C5CB59CEEC}" type="datetime1">
               <a:rPr lang="en-US" smtClean="0"/>
-              <a:t>5/4/2025</a:t>
+              <a:t>5/6/2025</a:t>
             </a:fld>
             <a:endParaRPr lang="en-US"/>
           </a:p>
@@ -3180,7 +3270,7 @@
           <a:p>
             <a:fld id="{7DA38F49-B3E2-4BF0-BEC7-C30D34ABBB8D}" type="datetime1">
               <a:rPr lang="en-US" smtClean="0"/>
-              <a:t>5/4/2025</a:t>
+              <a:t>5/6/2025</a:t>
             </a:fld>
             <a:endParaRPr lang="en-US"/>
           </a:p>
@@ -4469,6 +4559,134 @@
           <p:cNvPr id="2" name="Title 1">
             <a:extLst>
               <a:ext uri="{FF2B5EF4-FFF2-40B4-BE49-F238E27FC236}">
+                <a16:creationId xmlns:a16="http://schemas.microsoft.com/office/drawing/2014/main" id="{F88E1D0F-2940-F5EC-AC76-FFD52A5BD451}"/>
+              </a:ext>
+            </a:extLst>
+          </p:cNvPr>
+          <p:cNvSpPr>
+            <a:spLocks noGrp="1"/>
+          </p:cNvSpPr>
+          <p:nvPr>
+            <p:ph type="title"/>
+          </p:nvPr>
+        </p:nvSpPr>
+        <p:spPr/>
+        <p:txBody>
+          <a:bodyPr/>
+          <a:lstStyle/>
+          <a:p>
+            <a:r>
+              <a:rPr lang="en-US" dirty="0"/>
+              <a:t>EDA</a:t>
+            </a:r>
+          </a:p>
+        </p:txBody>
+      </p:sp>
+      <p:sp>
+        <p:nvSpPr>
+          <p:cNvPr id="3" name="Content Placeholder 2">
+            <a:extLst>
+              <a:ext uri="{FF2B5EF4-FFF2-40B4-BE49-F238E27FC236}">
+                <a16:creationId xmlns:a16="http://schemas.microsoft.com/office/drawing/2014/main" id="{F73F0D35-B313-D3E6-0C2C-22E2C0417150}"/>
+              </a:ext>
+            </a:extLst>
+          </p:cNvPr>
+          <p:cNvSpPr>
+            <a:spLocks noGrp="1"/>
+          </p:cNvSpPr>
+          <p:nvPr>
+            <p:ph idx="1"/>
+          </p:nvPr>
+        </p:nvSpPr>
+        <p:spPr/>
+        <p:txBody>
+          <a:bodyPr/>
+          <a:lstStyle/>
+          <a:p>
+            <a:r>
+              <a:rPr lang="en-US" dirty="0"/>
+              <a:t>Removing Non-Apartment Options</a:t>
+            </a:r>
+          </a:p>
+          <a:p>
+            <a:r>
+              <a:rPr lang="en-US" dirty="0"/>
+              <a:t>Condensed all pet options to binary feature</a:t>
+            </a:r>
+          </a:p>
+          <a:p>
+            <a:r>
+              <a:rPr lang="en-US" dirty="0"/>
+              <a:t>Removed records with missing values in the desired features</a:t>
+            </a:r>
+          </a:p>
+          <a:p>
+            <a:r>
+              <a:rPr lang="en-US" dirty="0"/>
+              <a:t>Removed Outlier Apartments</a:t>
+            </a:r>
+          </a:p>
+          <a:p>
+            <a:pPr lvl="1"/>
+            <a:r>
+              <a:rPr lang="en-US" dirty="0"/>
+              <a:t>Price</a:t>
+            </a:r>
+          </a:p>
+          <a:p>
+            <a:pPr lvl="1"/>
+            <a:r>
+              <a:rPr lang="en-US" dirty="0"/>
+              <a:t>Square Feet</a:t>
+            </a:r>
+          </a:p>
+          <a:p>
+            <a:pPr lvl="1"/>
+            <a:r>
+              <a:rPr lang="en-US" dirty="0"/>
+              <a:t>Bedrooms/Bathrooms</a:t>
+            </a:r>
+          </a:p>
+          <a:p>
+            <a:endParaRPr lang="en-US" dirty="0"/>
+          </a:p>
+        </p:txBody>
+      </p:sp>
+    </p:spTree>
+    <p:extLst>
+      <p:ext uri="{BB962C8B-B14F-4D97-AF65-F5344CB8AC3E}">
+        <p14:creationId xmlns:p14="http://schemas.microsoft.com/office/powerpoint/2010/main" val="232096000"/>
+      </p:ext>
+    </p:extLst>
+  </p:cSld>
+  <p:clrMapOvr>
+    <a:masterClrMapping/>
+  </p:clrMapOvr>
+</p:sld>
+</file>
+
+<file path=ppt/slides/slide5.xml><?xml version="1.0" encoding="utf-8"?>
+<p:sld xmlns:a="http://schemas.openxmlformats.org/drawingml/2006/main" xmlns:r="http://schemas.openxmlformats.org/officeDocument/2006/relationships" xmlns:p="http://schemas.openxmlformats.org/presentationml/2006/main">
+  <p:cSld>
+    <p:spTree>
+      <p:nvGrpSpPr>
+        <p:cNvPr id="1" name=""/>
+        <p:cNvGrpSpPr/>
+        <p:nvPr/>
+      </p:nvGrpSpPr>
+      <p:grpSpPr>
+        <a:xfrm>
+          <a:off x="0" y="0"/>
+          <a:ext cx="0" cy="0"/>
+          <a:chOff x="0" y="0"/>
+          <a:chExt cx="0" cy="0"/>
+        </a:xfrm>
+      </p:grpSpPr>
+      <p:sp>
+        <p:nvSpPr>
+          <p:cNvPr id="2" name="Title 1">
+            <a:extLst>
+              <a:ext uri="{FF2B5EF4-FFF2-40B4-BE49-F238E27FC236}">
                 <a16:creationId xmlns:a16="http://schemas.microsoft.com/office/drawing/2014/main" id="{AC3B071A-BBDE-0A20-F937-D226F9422265}"/>
               </a:ext>
             </a:extLst>
@@ -4557,7 +4775,7 @@
 </p:sld>
 </file>
 
-<file path=ppt/slides/slide5.xml><?xml version="1.0" encoding="utf-8"?>
+<file path=ppt/slides/slide6.xml><?xml version="1.0" encoding="utf-8"?>
 <p:sld xmlns:a="http://schemas.openxmlformats.org/drawingml/2006/main" xmlns:r="http://schemas.openxmlformats.org/officeDocument/2006/relationships" xmlns:p="http://schemas.openxmlformats.org/presentationml/2006/main">
   <p:cSld>
     <p:spTree>
@@ -4667,7 +4885,7 @@
 </p:sld>
 </file>
 
-<file path=ppt/slides/slide6.xml><?xml version="1.0" encoding="utf-8"?>
+<file path=ppt/slides/slide7.xml><?xml version="1.0" encoding="utf-8"?>
 <p:sld xmlns:a="http://schemas.openxmlformats.org/drawingml/2006/main" xmlns:r="http://schemas.openxmlformats.org/officeDocument/2006/relationships" xmlns:p="http://schemas.openxmlformats.org/presentationml/2006/main">
   <p:cSld>
     <p:spTree>
@@ -4768,6 +4986,133 @@
     <p:extLst>
       <p:ext uri="{BB962C8B-B14F-4D97-AF65-F5344CB8AC3E}">
         <p14:creationId xmlns:p14="http://schemas.microsoft.com/office/powerpoint/2010/main" val="1025737524"/>
+      </p:ext>
+    </p:extLst>
+  </p:cSld>
+  <p:clrMapOvr>
+    <a:masterClrMapping/>
+  </p:clrMapOvr>
+</p:sld>
+</file>
+
+<file path=ppt/slides/slide8.xml><?xml version="1.0" encoding="utf-8"?>
+<p:sld xmlns:a="http://schemas.openxmlformats.org/drawingml/2006/main" xmlns:r="http://schemas.openxmlformats.org/officeDocument/2006/relationships" xmlns:p="http://schemas.openxmlformats.org/presentationml/2006/main">
+  <p:cSld>
+    <p:spTree>
+      <p:nvGrpSpPr>
+        <p:cNvPr id="1" name=""/>
+        <p:cNvGrpSpPr/>
+        <p:nvPr/>
+      </p:nvGrpSpPr>
+      <p:grpSpPr>
+        <a:xfrm>
+          <a:off x="0" y="0"/>
+          <a:ext cx="0" cy="0"/>
+          <a:chOff x="0" y="0"/>
+          <a:chExt cx="0" cy="0"/>
+        </a:xfrm>
+      </p:grpSpPr>
+      <p:sp>
+        <p:nvSpPr>
+          <p:cNvPr id="2" name="Title 1">
+            <a:extLst>
+              <a:ext uri="{FF2B5EF4-FFF2-40B4-BE49-F238E27FC236}">
+                <a16:creationId xmlns:a16="http://schemas.microsoft.com/office/drawing/2014/main" id="{CC7D132D-EE64-2988-F5C7-163F19167785}"/>
+              </a:ext>
+            </a:extLst>
+          </p:cNvPr>
+          <p:cNvSpPr>
+            <a:spLocks noGrp="1"/>
+          </p:cNvSpPr>
+          <p:nvPr>
+            <p:ph type="title"/>
+          </p:nvPr>
+        </p:nvSpPr>
+        <p:spPr/>
+        <p:txBody>
+          <a:bodyPr/>
+          <a:lstStyle/>
+          <a:p>
+            <a:r>
+              <a:rPr lang="en-US" dirty="0"/>
+              <a:t>Challenges</a:t>
+            </a:r>
+          </a:p>
+        </p:txBody>
+      </p:sp>
+      <p:sp>
+        <p:nvSpPr>
+          <p:cNvPr id="3" name="Content Placeholder 2">
+            <a:extLst>
+              <a:ext uri="{FF2B5EF4-FFF2-40B4-BE49-F238E27FC236}">
+                <a16:creationId xmlns:a16="http://schemas.microsoft.com/office/drawing/2014/main" id="{6EEB6852-7E53-C08A-577C-0FFBFB2211CF}"/>
+              </a:ext>
+            </a:extLst>
+          </p:cNvPr>
+          <p:cNvSpPr>
+            <a:spLocks noGrp="1"/>
+          </p:cNvSpPr>
+          <p:nvPr>
+            <p:ph idx="1"/>
+          </p:nvPr>
+        </p:nvSpPr>
+        <p:spPr/>
+        <p:txBody>
+          <a:bodyPr/>
+          <a:lstStyle/>
+          <a:p>
+            <a:r>
+              <a:rPr lang="en-US" dirty="0"/>
+              <a:t>Using Longitude and Latitude as a Feature</a:t>
+            </a:r>
+          </a:p>
+          <a:p>
+            <a:pPr lvl="1"/>
+            <a:r>
+              <a:rPr lang="en-US" dirty="0"/>
+              <a:t>Scaling Issues when Normalized</a:t>
+            </a:r>
+          </a:p>
+          <a:p>
+            <a:pPr lvl="1"/>
+            <a:r>
+              <a:rPr lang="en-US" dirty="0"/>
+              <a:t>1 Unit Difference can be up to 70 miles Before Scaling</a:t>
+            </a:r>
+          </a:p>
+          <a:p>
+            <a:pPr lvl="1"/>
+            <a:r>
+              <a:rPr lang="en-US" dirty="0"/>
+              <a:t>After scaling, the differences were overpowered by other binary features</a:t>
+            </a:r>
+          </a:p>
+          <a:p>
+            <a:r>
+              <a:rPr lang="en-US" dirty="0"/>
+              <a:t>Deciding Best Similarity Based Learning Method</a:t>
+            </a:r>
+          </a:p>
+          <a:p>
+            <a:pPr lvl="1"/>
+            <a:r>
+              <a:rPr lang="en-US" dirty="0"/>
+              <a:t>KNN vs K-Means</a:t>
+            </a:r>
+          </a:p>
+          <a:p>
+            <a:pPr lvl="1"/>
+            <a:r>
+              <a:rPr lang="en-US" dirty="0"/>
+              <a:t>Unpredictable Cluster of Interest Size</a:t>
+            </a:r>
+          </a:p>
+        </p:txBody>
+      </p:sp>
+    </p:spTree>
+    <p:extLst>
+      <p:ext uri="{BB962C8B-B14F-4D97-AF65-F5344CB8AC3E}">
+        <p14:creationId xmlns:p14="http://schemas.microsoft.com/office/powerpoint/2010/main" val="87293160"/>
       </p:ext>
     </p:extLst>
   </p:cSld>
